--- a/Area de proceso PPQA/Proceso-de-Aseguramiento-de-la-Calidad-PPQA-V1.0_2015.pptx
+++ b/Area de proceso PPQA/Proceso-de-Aseguramiento-de-la-Calidad-PPQA-V1.0_2015.pptx
@@ -136,6 +136,11 @@
       </a:defRPr>
     </a:lvl9pPr>
   </p:defaultTextStyle>
+  <p:extLst>
+    <p:ext uri="{EFAFB233-063F-42B5-8137-9DF3F51BA10A}">
+      <p15:sldGuideLst xmlns:p15="http://schemas.microsoft.com/office/powerpoint/2012/main"/>
+    </p:ext>
+  </p:extLst>
 </p:presentation>
 </file>
 
@@ -6146,18 +6151,7 @@
                 </a:solidFill>
                 <a:latin typeface="Candara" panose="020E0502030303020204" pitchFamily="34" charset="0"/>
               </a:rPr>
-              <a:t>Proceso de Aseguramiento de la </a:t>
-            </a:r>
-            <a:r>
-              <a:rPr lang="es-ES" dirty="0">
-                <a:solidFill>
-                  <a:schemeClr val="accent4">
-                    <a:lumMod val="50000"/>
-                  </a:schemeClr>
-                </a:solidFill>
-                <a:latin typeface="Candara" panose="020E0502030303020204" pitchFamily="34" charset="0"/>
-              </a:rPr>
-              <a:t>Calidad</a:t>
+              <a:t>Proceso de Aseguramiento de la Calidad</a:t>
             </a:r>
             <a:endParaRPr lang="es-ES" sz="7200" dirty="0">
               <a:solidFill>
@@ -6170,6 +6164,30 @@
           </a:p>
         </p:txBody>
       </p:sp>
+      <p:pic>
+        <p:nvPicPr>
+          <p:cNvPr id="3" name="Imagen 2"/>
+          <p:cNvPicPr>
+            <a:picLocks noChangeAspect="1"/>
+          </p:cNvPicPr>
+          <p:nvPr/>
+        </p:nvPicPr>
+        <p:blipFill rotWithShape="1">
+          <a:blip r:embed="rId2"/>
+          <a:srcRect t="1" r="10280" b="749"/>
+          <a:stretch/>
+        </p:blipFill>
+        <p:spPr>
+          <a:xfrm>
+            <a:off x="1" y="179"/>
+            <a:ext cx="914400" cy="888642"/>
+          </a:xfrm>
+          <a:prstGeom prst="rect">
+            <a:avLst/>
+          </a:prstGeom>
+          <a:noFill/>
+        </p:spPr>
+      </p:pic>
     </p:spTree>
     <p:extLst>
       <p:ext uri="{BB962C8B-B14F-4D97-AF65-F5344CB8AC3E}">
@@ -6242,6 +6260,30 @@
           </a:p>
         </p:txBody>
       </p:sp>
+      <p:pic>
+        <p:nvPicPr>
+          <p:cNvPr id="3" name="Imagen 2"/>
+          <p:cNvPicPr>
+            <a:picLocks noChangeAspect="1"/>
+          </p:cNvPicPr>
+          <p:nvPr/>
+        </p:nvPicPr>
+        <p:blipFill rotWithShape="1">
+          <a:blip r:embed="rId2"/>
+          <a:srcRect t="1" r="10280" b="749"/>
+          <a:stretch/>
+        </p:blipFill>
+        <p:spPr>
+          <a:xfrm>
+            <a:off x="1" y="179"/>
+            <a:ext cx="914400" cy="888642"/>
+          </a:xfrm>
+          <a:prstGeom prst="rect">
+            <a:avLst/>
+          </a:prstGeom>
+          <a:noFill/>
+        </p:spPr>
+      </p:pic>
     </p:spTree>
     <p:extLst>
       <p:ext uri="{BB962C8B-B14F-4D97-AF65-F5344CB8AC3E}">
@@ -6365,15 +6407,7 @@
                   <a:schemeClr val="tx1"/>
                 </a:solidFill>
               </a:rPr>
-              <a:t>Entradas</a:t>
-            </a:r>
-            <a:r>
-              <a:rPr lang="es-PE" b="1" dirty="0">
-                <a:solidFill>
-                  <a:schemeClr val="tx1"/>
-                </a:solidFill>
-              </a:rPr>
-              <a:t>:</a:t>
+              <a:t>Entradas:</a:t>
             </a:r>
             <a:r>
               <a:rPr lang="es-PE" dirty="0">
@@ -6636,6 +6670,30 @@
           </a:p>
         </p:txBody>
       </p:sp>
+      <p:pic>
+        <p:nvPicPr>
+          <p:cNvPr id="6" name="Imagen 5"/>
+          <p:cNvPicPr>
+            <a:picLocks noChangeAspect="1"/>
+          </p:cNvPicPr>
+          <p:nvPr/>
+        </p:nvPicPr>
+        <p:blipFill rotWithShape="1">
+          <a:blip r:embed="rId2"/>
+          <a:srcRect t="1" r="10280" b="749"/>
+          <a:stretch/>
+        </p:blipFill>
+        <p:spPr>
+          <a:xfrm>
+            <a:off x="1" y="179"/>
+            <a:ext cx="914400" cy="888642"/>
+          </a:xfrm>
+          <a:prstGeom prst="rect">
+            <a:avLst/>
+          </a:prstGeom>
+          <a:noFill/>
+        </p:spPr>
+      </p:pic>
     </p:spTree>
     <p:extLst>
       <p:ext uri="{BB962C8B-B14F-4D97-AF65-F5344CB8AC3E}">
@@ -6646,13 +6704,13 @@
   <p:clrMapOvr>
     <a:masterClrMapping/>
   </p:clrMapOvr>
-  <mc:AlternateContent xmlns:mc="http://schemas.openxmlformats.org/markup-compatibility/2006">
-    <mc:Choice xmlns:p14="http://schemas.microsoft.com/office/powerpoint/2010/main" Requires="p14">
+  <mc:AlternateContent xmlns:mc="http://schemas.openxmlformats.org/markup-compatibility/2006" xmlns:p14="http://schemas.microsoft.com/office/powerpoint/2010/main">
+    <mc:Choice Requires="p14">
       <p:transition spd="med" p14:dur="700">
         <p:fade/>
       </p:transition>
     </mc:Choice>
-    <mc:Fallback>
+    <mc:Fallback xmlns="">
       <p:transition spd="med">
         <p:fade/>
       </p:transition>
@@ -6922,13 +6980,36 @@
               <a:rPr lang="es-PE" altLang="es-ES" sz="2800" dirty="0"/>
               <a:t>5.1 Subprocesos</a:t>
             </a:r>
-            <a:endParaRPr lang="es-PE" altLang="es-ES" sz="2800" dirty="0"/>
           </a:p>
           <a:p>
             <a:endParaRPr lang="es-ES" dirty="0"/>
           </a:p>
         </p:txBody>
       </p:sp>
+      <p:pic>
+        <p:nvPicPr>
+          <p:cNvPr id="6" name="Imagen 5"/>
+          <p:cNvPicPr>
+            <a:picLocks noChangeAspect="1"/>
+          </p:cNvPicPr>
+          <p:nvPr/>
+        </p:nvPicPr>
+        <p:blipFill rotWithShape="1">
+          <a:blip r:embed="rId2"/>
+          <a:srcRect t="1" r="10280" b="749"/>
+          <a:stretch/>
+        </p:blipFill>
+        <p:spPr>
+          <a:xfrm>
+            <a:off x="1" y="179"/>
+            <a:ext cx="914400" cy="888642"/>
+          </a:xfrm>
+          <a:prstGeom prst="rect">
+            <a:avLst/>
+          </a:prstGeom>
+          <a:noFill/>
+        </p:spPr>
+      </p:pic>
     </p:spTree>
     <p:extLst>
       <p:ext uri="{BB962C8B-B14F-4D97-AF65-F5344CB8AC3E}">
@@ -6996,13 +7077,7 @@
               <a:rPr lang="es-PE" altLang="es-ES" sz="3200" b="1" dirty="0">
                 <a:latin typeface="Candara" panose="020E0502030303020204" pitchFamily="34" charset="0"/>
               </a:rPr>
-              <a:t>Subprocesos del </a:t>
-            </a:r>
-            <a:r>
-              <a:rPr lang="es-PE" altLang="es-ES" sz="3200" b="1" dirty="0">
-                <a:latin typeface="Candara" panose="020E0502030303020204" pitchFamily="34" charset="0"/>
-              </a:rPr>
-              <a:t>Proceso de Aseguramiento de Calidad</a:t>
+              <a:t>Subprocesos del Proceso de Aseguramiento de Calidad</a:t>
             </a:r>
             <a:endParaRPr lang="es-ES" sz="4400" b="1" dirty="0">
               <a:solidFill>
@@ -10455,6 +10530,30 @@
           </p:txBody>
         </p:sp>
       </p:grpSp>
+      <p:pic>
+        <p:nvPicPr>
+          <p:cNvPr id="31" name="Imagen 30"/>
+          <p:cNvPicPr>
+            <a:picLocks noChangeAspect="1"/>
+          </p:cNvPicPr>
+          <p:nvPr/>
+        </p:nvPicPr>
+        <p:blipFill rotWithShape="1">
+          <a:blip r:embed="rId5"/>
+          <a:srcRect t="1" r="10280" b="749"/>
+          <a:stretch/>
+        </p:blipFill>
+        <p:spPr>
+          <a:xfrm>
+            <a:off x="1" y="179"/>
+            <a:ext cx="914400" cy="888642"/>
+          </a:xfrm>
+          <a:prstGeom prst="rect">
+            <a:avLst/>
+          </a:prstGeom>
+          <a:noFill/>
+        </p:spPr>
+      </p:pic>
     </p:spTree>
     <p:extLst>
       <p:ext uri="{BB962C8B-B14F-4D97-AF65-F5344CB8AC3E}">
@@ -10465,13 +10564,13 @@
   <p:clrMapOvr>
     <a:masterClrMapping/>
   </p:clrMapOvr>
-  <mc:AlternateContent xmlns:mc="http://schemas.openxmlformats.org/markup-compatibility/2006">
-    <mc:Choice xmlns:p14="http://schemas.microsoft.com/office/powerpoint/2010/main" Requires="p14">
+  <mc:AlternateContent xmlns:mc="http://schemas.openxmlformats.org/markup-compatibility/2006" xmlns:p14="http://schemas.microsoft.com/office/powerpoint/2010/main">
+    <mc:Choice Requires="p14">
       <p:transition spd="med" p14:dur="700">
         <p:fade/>
       </p:transition>
     </mc:Choice>
-    <mc:Fallback>
+    <mc:Fallback xmlns="">
       <p:transition spd="med">
         <p:fade/>
       </p:transition>
@@ -11310,25 +11409,7 @@
                           </a:solidFill>
                           <a:latin typeface="Candara" panose="020E0502030303020204" pitchFamily="34" charset="0"/>
                         </a:rPr>
-                        <a:t>Herramienta de </a:t>
-                      </a:r>
-                      <a:r>
-                        <a:rPr lang="es-PE" sz="1300" kern="1200" dirty="0" smtClean="0">
-                          <a:solidFill>
-                            <a:sysClr val="windowText" lastClr="000000"/>
-                          </a:solidFill>
-                          <a:latin typeface="Candara" panose="020E0502030303020204" pitchFamily="34" charset="0"/>
-                        </a:rPr>
-                        <a:t>Gestión </a:t>
-                      </a:r>
-                      <a:r>
-                        <a:rPr lang="es-PE" sz="1300" kern="1200" dirty="0" smtClean="0">
-                          <a:solidFill>
-                            <a:sysClr val="windowText" lastClr="000000"/>
-                          </a:solidFill>
-                          <a:latin typeface="Candara" panose="020E0502030303020204" pitchFamily="34" charset="0"/>
-                        </a:rPr>
-                        <a:t>de No</a:t>
+                        <a:t>Herramienta de Gestión de No</a:t>
                       </a:r>
                       <a:r>
                         <a:rPr lang="es-PE" sz="1300" kern="1200" baseline="0" dirty="0" smtClean="0">
@@ -11893,25 +11974,7 @@
                           </a:solidFill>
                           <a:latin typeface="Candara" panose="020E0502030303020204" pitchFamily="34" charset="0"/>
                         </a:rPr>
-                        <a:t>Herramienta de </a:t>
-                      </a:r>
-                      <a:r>
-                        <a:rPr lang="es-PE" sz="1300" kern="1200" dirty="0" smtClean="0">
-                          <a:solidFill>
-                            <a:sysClr val="windowText" lastClr="000000"/>
-                          </a:solidFill>
-                          <a:latin typeface="Candara" panose="020E0502030303020204" pitchFamily="34" charset="0"/>
-                        </a:rPr>
-                        <a:t>Gestión </a:t>
-                      </a:r>
-                      <a:r>
-                        <a:rPr lang="es-PE" sz="1300" kern="1200" dirty="0" smtClean="0">
-                          <a:solidFill>
-                            <a:sysClr val="windowText" lastClr="000000"/>
-                          </a:solidFill>
-                          <a:latin typeface="Candara" panose="020E0502030303020204" pitchFamily="34" charset="0"/>
-                        </a:rPr>
-                        <a:t>de No</a:t>
+                        <a:t>Herramienta de Gestión de No</a:t>
                       </a:r>
                       <a:r>
                         <a:rPr lang="es-PE" sz="1300" kern="1200" baseline="0" dirty="0" smtClean="0">
@@ -12070,13 +12133,7 @@
               <a:rPr lang="es-PE" altLang="es-ES" sz="2800" b="1" dirty="0">
                 <a:latin typeface="Candara" panose="020E0502030303020204" pitchFamily="34" charset="0"/>
               </a:rPr>
-              <a:t>Subprocesos del </a:t>
-            </a:r>
-            <a:r>
-              <a:rPr lang="es-PE" altLang="es-ES" sz="2800" b="1" dirty="0">
-                <a:latin typeface="Candara" panose="020E0502030303020204" pitchFamily="34" charset="0"/>
-              </a:rPr>
-              <a:t>Proceso de Aseguramiento de Calidad</a:t>
+              <a:t>Subprocesos del Proceso de Aseguramiento de Calidad</a:t>
             </a:r>
             <a:endParaRPr lang="es-ES" b="1" dirty="0">
               <a:solidFill>
@@ -12087,6 +12144,30 @@
           </a:p>
         </p:txBody>
       </p:sp>
+      <p:pic>
+        <p:nvPicPr>
+          <p:cNvPr id="5" name="Imagen 4"/>
+          <p:cNvPicPr>
+            <a:picLocks noChangeAspect="1"/>
+          </p:cNvPicPr>
+          <p:nvPr/>
+        </p:nvPicPr>
+        <p:blipFill rotWithShape="1">
+          <a:blip r:embed="rId2"/>
+          <a:srcRect t="1" r="10280" b="749"/>
+          <a:stretch/>
+        </p:blipFill>
+        <p:spPr>
+          <a:xfrm>
+            <a:off x="1" y="179"/>
+            <a:ext cx="914400" cy="888642"/>
+          </a:xfrm>
+          <a:prstGeom prst="rect">
+            <a:avLst/>
+          </a:prstGeom>
+          <a:noFill/>
+        </p:spPr>
+      </p:pic>
     </p:spTree>
     <p:extLst>
       <p:ext uri="{BB962C8B-B14F-4D97-AF65-F5344CB8AC3E}">
@@ -12097,13 +12178,13 @@
   <p:clrMapOvr>
     <a:masterClrMapping/>
   </p:clrMapOvr>
-  <mc:AlternateContent xmlns:mc="http://schemas.openxmlformats.org/markup-compatibility/2006">
-    <mc:Choice xmlns:p14="http://schemas.microsoft.com/office/powerpoint/2010/main" Requires="p14">
+  <mc:AlternateContent xmlns:mc="http://schemas.openxmlformats.org/markup-compatibility/2006" xmlns:p14="http://schemas.microsoft.com/office/powerpoint/2010/main">
+    <mc:Choice Requires="p14">
       <p:transition spd="med" p14:dur="700">
         <p:fade/>
       </p:transition>
     </mc:Choice>
-    <mc:Fallback>
+    <mc:Fallback xmlns="">
       <p:transition spd="med">
         <p:fade/>
       </p:transition>
@@ -12974,13 +13055,7 @@
               <a:rPr lang="es-PE" altLang="es-ES" sz="3600" b="1" dirty="0">
                 <a:latin typeface="Candara" panose="020E0502030303020204" pitchFamily="34" charset="0"/>
               </a:rPr>
-              <a:t>Subprocesos del </a:t>
-            </a:r>
-            <a:r>
-              <a:rPr lang="es-PE" altLang="es-ES" sz="3600" b="1" dirty="0">
-                <a:latin typeface="Candara" panose="020E0502030303020204" pitchFamily="34" charset="0"/>
-              </a:rPr>
-              <a:t>Proceso de Aseguramiento de Calidad</a:t>
+              <a:t>Subprocesos del Proceso de Aseguramiento de Calidad</a:t>
             </a:r>
             <a:endParaRPr lang="es-ES" sz="4800" b="1" dirty="0">
               <a:solidFill>
@@ -12991,6 +13066,30 @@
           </a:p>
         </p:txBody>
       </p:sp>
+      <p:pic>
+        <p:nvPicPr>
+          <p:cNvPr id="6" name="Imagen 5"/>
+          <p:cNvPicPr>
+            <a:picLocks noChangeAspect="1"/>
+          </p:cNvPicPr>
+          <p:nvPr/>
+        </p:nvPicPr>
+        <p:blipFill rotWithShape="1">
+          <a:blip r:embed="rId2"/>
+          <a:srcRect t="1" r="10280" b="749"/>
+          <a:stretch/>
+        </p:blipFill>
+        <p:spPr>
+          <a:xfrm>
+            <a:off x="1" y="179"/>
+            <a:ext cx="914400" cy="888642"/>
+          </a:xfrm>
+          <a:prstGeom prst="rect">
+            <a:avLst/>
+          </a:prstGeom>
+          <a:noFill/>
+        </p:spPr>
+      </p:pic>
     </p:spTree>
     <p:extLst>
       <p:ext uri="{BB962C8B-B14F-4D97-AF65-F5344CB8AC3E}">
@@ -13001,13 +13100,13 @@
   <p:clrMapOvr>
     <a:masterClrMapping/>
   </p:clrMapOvr>
-  <mc:AlternateContent xmlns:mc="http://schemas.openxmlformats.org/markup-compatibility/2006">
-    <mc:Choice xmlns:p14="http://schemas.microsoft.com/office/powerpoint/2010/main" Requires="p14">
+  <mc:AlternateContent xmlns:mc="http://schemas.openxmlformats.org/markup-compatibility/2006" xmlns:p14="http://schemas.microsoft.com/office/powerpoint/2010/main">
+    <mc:Choice Requires="p14">
       <p:transition spd="med" p14:dur="700">
         <p:fade/>
       </p:transition>
     </mc:Choice>
-    <mc:Fallback>
+    <mc:Fallback xmlns="">
       <p:transition spd="med">
         <p:fade/>
       </p:transition>
@@ -13090,13 +13189,36 @@
               <a:rPr lang="es-PE" altLang="es-ES" sz="2800" dirty="0"/>
               <a:t>5.1 Actividades</a:t>
             </a:r>
-            <a:endParaRPr lang="es-PE" altLang="es-ES" sz="2800" dirty="0"/>
           </a:p>
           <a:p>
             <a:endParaRPr lang="es-ES" dirty="0"/>
           </a:p>
         </p:txBody>
       </p:sp>
+      <p:pic>
+        <p:nvPicPr>
+          <p:cNvPr id="6" name="Imagen 5"/>
+          <p:cNvPicPr>
+            <a:picLocks noChangeAspect="1"/>
+          </p:cNvPicPr>
+          <p:nvPr/>
+        </p:nvPicPr>
+        <p:blipFill rotWithShape="1">
+          <a:blip r:embed="rId2"/>
+          <a:srcRect t="1" r="10280" b="749"/>
+          <a:stretch/>
+        </p:blipFill>
+        <p:spPr>
+          <a:xfrm>
+            <a:off x="1" y="179"/>
+            <a:ext cx="914400" cy="888642"/>
+          </a:xfrm>
+          <a:prstGeom prst="rect">
+            <a:avLst/>
+          </a:prstGeom>
+          <a:noFill/>
+        </p:spPr>
+      </p:pic>
     </p:spTree>
     <p:extLst>
       <p:ext uri="{BB962C8B-B14F-4D97-AF65-F5344CB8AC3E}">
@@ -15943,6 +16065,30 @@
           </a:extLst>
         </p:spPr>
       </p:cxnSp>
+      <p:pic>
+        <p:nvPicPr>
+          <p:cNvPr id="32" name="Imagen 31"/>
+          <p:cNvPicPr>
+            <a:picLocks noChangeAspect="1"/>
+          </p:cNvPicPr>
+          <p:nvPr/>
+        </p:nvPicPr>
+        <p:blipFill rotWithShape="1">
+          <a:blip r:embed="rId4"/>
+          <a:srcRect t="1" r="10280" b="749"/>
+          <a:stretch/>
+        </p:blipFill>
+        <p:spPr>
+          <a:xfrm>
+            <a:off x="1" y="179"/>
+            <a:ext cx="914400" cy="888642"/>
+          </a:xfrm>
+          <a:prstGeom prst="rect">
+            <a:avLst/>
+          </a:prstGeom>
+          <a:noFill/>
+        </p:spPr>
+      </p:pic>
     </p:spTree>
     <p:extLst>
       <p:ext uri="{BB962C8B-B14F-4D97-AF65-F5344CB8AC3E}">
@@ -15953,13 +16099,13 @@
   <p:clrMapOvr>
     <a:masterClrMapping/>
   </p:clrMapOvr>
-  <mc:AlternateContent xmlns:mc="http://schemas.openxmlformats.org/markup-compatibility/2006">
-    <mc:Choice xmlns:p14="http://schemas.microsoft.com/office/powerpoint/2010/main" Requires="p14">
+  <mc:AlternateContent xmlns:mc="http://schemas.openxmlformats.org/markup-compatibility/2006" xmlns:p14="http://schemas.microsoft.com/office/powerpoint/2010/main">
+    <mc:Choice Requires="p14">
       <p:transition spd="med" p14:dur="700">
         <p:fade/>
       </p:transition>
     </mc:Choice>
-    <mc:Fallback>
+    <mc:Fallback xmlns="">
       <p:transition spd="med">
         <p:fade/>
       </p:transition>
@@ -16978,6 +17124,30 @@
           </a:p>
         </p:txBody>
       </p:sp>
+      <p:pic>
+        <p:nvPicPr>
+          <p:cNvPr id="6" name="Imagen 5"/>
+          <p:cNvPicPr>
+            <a:picLocks noChangeAspect="1"/>
+          </p:cNvPicPr>
+          <p:nvPr/>
+        </p:nvPicPr>
+        <p:blipFill rotWithShape="1">
+          <a:blip r:embed="rId2"/>
+          <a:srcRect t="1" r="10280" b="749"/>
+          <a:stretch/>
+        </p:blipFill>
+        <p:spPr>
+          <a:xfrm>
+            <a:off x="1" y="179"/>
+            <a:ext cx="914400" cy="888642"/>
+          </a:xfrm>
+          <a:prstGeom prst="rect">
+            <a:avLst/>
+          </a:prstGeom>
+          <a:noFill/>
+        </p:spPr>
+      </p:pic>
     </p:spTree>
     <p:extLst>
       <p:ext uri="{BB962C8B-B14F-4D97-AF65-F5344CB8AC3E}">
@@ -16988,13 +17158,13 @@
   <p:clrMapOvr>
     <a:masterClrMapping/>
   </p:clrMapOvr>
-  <mc:AlternateContent xmlns:mc="http://schemas.openxmlformats.org/markup-compatibility/2006">
-    <mc:Choice xmlns:p14="http://schemas.microsoft.com/office/powerpoint/2010/main" Requires="p14">
+  <mc:AlternateContent xmlns:mc="http://schemas.openxmlformats.org/markup-compatibility/2006" xmlns:p14="http://schemas.microsoft.com/office/powerpoint/2010/main">
+    <mc:Choice Requires="p14">
       <p:transition spd="med" p14:dur="700">
         <p:fade/>
       </p:transition>
     </mc:Choice>
-    <mc:Fallback>
+    <mc:Fallback xmlns="">
       <p:transition spd="med">
         <p:fade/>
       </p:transition>
@@ -17928,6 +18098,30 @@
           </a:p>
         </p:txBody>
       </p:sp>
+      <p:pic>
+        <p:nvPicPr>
+          <p:cNvPr id="6" name="Imagen 5"/>
+          <p:cNvPicPr>
+            <a:picLocks noChangeAspect="1"/>
+          </p:cNvPicPr>
+          <p:nvPr/>
+        </p:nvPicPr>
+        <p:blipFill rotWithShape="1">
+          <a:blip r:embed="rId2"/>
+          <a:srcRect t="1" r="10280" b="749"/>
+          <a:stretch/>
+        </p:blipFill>
+        <p:spPr>
+          <a:xfrm>
+            <a:off x="1" y="179"/>
+            <a:ext cx="914400" cy="888642"/>
+          </a:xfrm>
+          <a:prstGeom prst="rect">
+            <a:avLst/>
+          </a:prstGeom>
+          <a:noFill/>
+        </p:spPr>
+      </p:pic>
     </p:spTree>
     <p:extLst>
       <p:ext uri="{BB962C8B-B14F-4D97-AF65-F5344CB8AC3E}">
@@ -17938,13 +18132,13 @@
   <p:clrMapOvr>
     <a:masterClrMapping/>
   </p:clrMapOvr>
-  <mc:AlternateContent xmlns:mc="http://schemas.openxmlformats.org/markup-compatibility/2006">
-    <mc:Choice xmlns:p14="http://schemas.microsoft.com/office/powerpoint/2010/main" Requires="p14">
+  <mc:AlternateContent xmlns:mc="http://schemas.openxmlformats.org/markup-compatibility/2006" xmlns:p14="http://schemas.microsoft.com/office/powerpoint/2010/main">
+    <mc:Choice Requires="p14">
       <p:transition spd="med" p14:dur="700">
         <p:fade/>
       </p:transition>
     </mc:Choice>
-    <mc:Fallback>
+    <mc:Fallback xmlns="">
       <p:transition spd="med">
         <p:fade/>
       </p:transition>
@@ -18227,6 +18421,30 @@
           </a:extLst>
         </p:spPr>
       </p:pic>
+      <p:pic>
+        <p:nvPicPr>
+          <p:cNvPr id="5" name="Imagen 4"/>
+          <p:cNvPicPr>
+            <a:picLocks noChangeAspect="1"/>
+          </p:cNvPicPr>
+          <p:nvPr/>
+        </p:nvPicPr>
+        <p:blipFill rotWithShape="1">
+          <a:blip r:embed="rId3"/>
+          <a:srcRect t="1" r="10280" b="749"/>
+          <a:stretch/>
+        </p:blipFill>
+        <p:spPr>
+          <a:xfrm>
+            <a:off x="1" y="179"/>
+            <a:ext cx="914400" cy="888642"/>
+          </a:xfrm>
+          <a:prstGeom prst="rect">
+            <a:avLst/>
+          </a:prstGeom>
+          <a:noFill/>
+        </p:spPr>
+      </p:pic>
     </p:spTree>
     <p:extLst>
       <p:ext uri="{BB962C8B-B14F-4D97-AF65-F5344CB8AC3E}">
@@ -18237,13 +18455,13 @@
   <p:clrMapOvr>
     <a:masterClrMapping/>
   </p:clrMapOvr>
-  <mc:AlternateContent xmlns:mc="http://schemas.openxmlformats.org/markup-compatibility/2006">
-    <mc:Choice xmlns:p14="http://schemas.microsoft.com/office/powerpoint/2010/main" Requires="p14">
+  <mc:AlternateContent xmlns:mc="http://schemas.openxmlformats.org/markup-compatibility/2006" xmlns:p14="http://schemas.microsoft.com/office/powerpoint/2010/main">
+    <mc:Choice Requires="p14">
       <p:transition spd="med" p14:dur="700">
         <p:fade/>
       </p:transition>
     </mc:Choice>
-    <mc:Fallback>
+    <mc:Fallback xmlns="">
       <p:transition spd="med">
         <p:fade/>
       </p:transition>
@@ -21177,6 +21395,30 @@
           </a:extLst>
         </p:spPr>
       </p:cxnSp>
+      <p:pic>
+        <p:nvPicPr>
+          <p:cNvPr id="32" name="Imagen 31"/>
+          <p:cNvPicPr>
+            <a:picLocks noChangeAspect="1"/>
+          </p:cNvPicPr>
+          <p:nvPr/>
+        </p:nvPicPr>
+        <p:blipFill rotWithShape="1">
+          <a:blip r:embed="rId4"/>
+          <a:srcRect t="1" r="10280" b="749"/>
+          <a:stretch/>
+        </p:blipFill>
+        <p:spPr>
+          <a:xfrm>
+            <a:off x="1" y="179"/>
+            <a:ext cx="914400" cy="888642"/>
+          </a:xfrm>
+          <a:prstGeom prst="rect">
+            <a:avLst/>
+          </a:prstGeom>
+          <a:noFill/>
+        </p:spPr>
+      </p:pic>
     </p:spTree>
     <p:extLst>
       <p:ext uri="{BB962C8B-B14F-4D97-AF65-F5344CB8AC3E}">
@@ -21187,13 +21429,13 @@
   <p:clrMapOvr>
     <a:masterClrMapping/>
   </p:clrMapOvr>
-  <mc:AlternateContent xmlns:mc="http://schemas.openxmlformats.org/markup-compatibility/2006">
-    <mc:Choice xmlns:p14="http://schemas.microsoft.com/office/powerpoint/2010/main" Requires="p14">
+  <mc:AlternateContent xmlns:mc="http://schemas.openxmlformats.org/markup-compatibility/2006" xmlns:p14="http://schemas.microsoft.com/office/powerpoint/2010/main">
+    <mc:Choice Requires="p14">
       <p:transition spd="med" p14:dur="700">
         <p:fade/>
       </p:transition>
     </mc:Choice>
-    <mc:Fallback>
+    <mc:Fallback xmlns="">
       <p:transition spd="med">
         <p:fade/>
       </p:transition>
@@ -22238,6 +22480,30 @@
           </a:p>
         </p:txBody>
       </p:sp>
+      <p:pic>
+        <p:nvPicPr>
+          <p:cNvPr id="6" name="Imagen 5"/>
+          <p:cNvPicPr>
+            <a:picLocks noChangeAspect="1"/>
+          </p:cNvPicPr>
+          <p:nvPr/>
+        </p:nvPicPr>
+        <p:blipFill rotWithShape="1">
+          <a:blip r:embed="rId2"/>
+          <a:srcRect t="1" r="10280" b="749"/>
+          <a:stretch/>
+        </p:blipFill>
+        <p:spPr>
+          <a:xfrm>
+            <a:off x="1" y="179"/>
+            <a:ext cx="914400" cy="888642"/>
+          </a:xfrm>
+          <a:prstGeom prst="rect">
+            <a:avLst/>
+          </a:prstGeom>
+          <a:noFill/>
+        </p:spPr>
+      </p:pic>
     </p:spTree>
     <p:extLst>
       <p:ext uri="{BB962C8B-B14F-4D97-AF65-F5344CB8AC3E}">
@@ -22248,13 +22514,13 @@
   <p:clrMapOvr>
     <a:masterClrMapping/>
   </p:clrMapOvr>
-  <mc:AlternateContent xmlns:mc="http://schemas.openxmlformats.org/markup-compatibility/2006">
-    <mc:Choice xmlns:p14="http://schemas.microsoft.com/office/powerpoint/2010/main" Requires="p14">
+  <mc:AlternateContent xmlns:mc="http://schemas.openxmlformats.org/markup-compatibility/2006" xmlns:p14="http://schemas.microsoft.com/office/powerpoint/2010/main">
+    <mc:Choice Requires="p14">
       <p:transition spd="med" p14:dur="700">
         <p:fade/>
       </p:transition>
     </mc:Choice>
-    <mc:Fallback>
+    <mc:Fallback xmlns="">
       <p:transition spd="med">
         <p:fade/>
       </p:transition>
@@ -23169,6 +23435,30 @@
           </a:p>
         </p:txBody>
       </p:sp>
+      <p:pic>
+        <p:nvPicPr>
+          <p:cNvPr id="6" name="Imagen 5"/>
+          <p:cNvPicPr>
+            <a:picLocks noChangeAspect="1"/>
+          </p:cNvPicPr>
+          <p:nvPr/>
+        </p:nvPicPr>
+        <p:blipFill rotWithShape="1">
+          <a:blip r:embed="rId2"/>
+          <a:srcRect t="1" r="10280" b="749"/>
+          <a:stretch/>
+        </p:blipFill>
+        <p:spPr>
+          <a:xfrm>
+            <a:off x="1" y="179"/>
+            <a:ext cx="914400" cy="888642"/>
+          </a:xfrm>
+          <a:prstGeom prst="rect">
+            <a:avLst/>
+          </a:prstGeom>
+          <a:noFill/>
+        </p:spPr>
+      </p:pic>
     </p:spTree>
     <p:extLst>
       <p:ext uri="{BB962C8B-B14F-4D97-AF65-F5344CB8AC3E}">
@@ -23179,13 +23469,13 @@
   <p:clrMapOvr>
     <a:masterClrMapping/>
   </p:clrMapOvr>
-  <mc:AlternateContent xmlns:mc="http://schemas.openxmlformats.org/markup-compatibility/2006">
-    <mc:Choice xmlns:p14="http://schemas.microsoft.com/office/powerpoint/2010/main" Requires="p14">
+  <mc:AlternateContent xmlns:mc="http://schemas.openxmlformats.org/markup-compatibility/2006" xmlns:p14="http://schemas.microsoft.com/office/powerpoint/2010/main">
+    <mc:Choice Requires="p14">
       <p:transition spd="med" p14:dur="700">
         <p:fade/>
       </p:transition>
     </mc:Choice>
-    <mc:Fallback>
+    <mc:Fallback xmlns="">
       <p:transition spd="med">
         <p:fade/>
       </p:transition>
@@ -23277,6 +23567,30 @@
           </a:p>
         </p:txBody>
       </p:sp>
+      <p:pic>
+        <p:nvPicPr>
+          <p:cNvPr id="6" name="Imagen 5"/>
+          <p:cNvPicPr>
+            <a:picLocks noChangeAspect="1"/>
+          </p:cNvPicPr>
+          <p:nvPr/>
+        </p:nvPicPr>
+        <p:blipFill rotWithShape="1">
+          <a:blip r:embed="rId2"/>
+          <a:srcRect t="1" r="10280" b="749"/>
+          <a:stretch/>
+        </p:blipFill>
+        <p:spPr>
+          <a:xfrm>
+            <a:off x="1" y="179"/>
+            <a:ext cx="914400" cy="888642"/>
+          </a:xfrm>
+          <a:prstGeom prst="rect">
+            <a:avLst/>
+          </a:prstGeom>
+          <a:noFill/>
+        </p:spPr>
+      </p:pic>
     </p:spTree>
     <p:extLst>
       <p:ext uri="{BB962C8B-B14F-4D97-AF65-F5344CB8AC3E}">
@@ -30949,6 +31263,30 @@
           </a:p>
         </p:txBody>
       </p:sp>
+      <p:pic>
+        <p:nvPicPr>
+          <p:cNvPr id="83" name="Imagen 82"/>
+          <p:cNvPicPr>
+            <a:picLocks noChangeAspect="1"/>
+          </p:cNvPicPr>
+          <p:nvPr/>
+        </p:nvPicPr>
+        <p:blipFill rotWithShape="1">
+          <a:blip r:embed="rId4"/>
+          <a:srcRect t="1" r="10280" b="749"/>
+          <a:stretch/>
+        </p:blipFill>
+        <p:spPr>
+          <a:xfrm>
+            <a:off x="1" y="179"/>
+            <a:ext cx="914400" cy="888642"/>
+          </a:xfrm>
+          <a:prstGeom prst="rect">
+            <a:avLst/>
+          </a:prstGeom>
+          <a:noFill/>
+        </p:spPr>
+      </p:pic>
     </p:spTree>
     <p:extLst>
       <p:ext uri="{BB962C8B-B14F-4D97-AF65-F5344CB8AC3E}">
@@ -30959,13 +31297,13 @@
   <p:clrMapOvr>
     <a:masterClrMapping/>
   </p:clrMapOvr>
-  <mc:AlternateContent xmlns:mc="http://schemas.openxmlformats.org/markup-compatibility/2006">
-    <mc:Choice xmlns:p14="http://schemas.microsoft.com/office/powerpoint/2010/main" Requires="p14">
+  <mc:AlternateContent xmlns:mc="http://schemas.openxmlformats.org/markup-compatibility/2006" xmlns:p14="http://schemas.microsoft.com/office/powerpoint/2010/main">
+    <mc:Choice Requires="p14">
       <p:transition spd="med" p14:dur="700">
         <p:fade/>
       </p:transition>
     </mc:Choice>
-    <mc:Fallback>
+    <mc:Fallback xmlns="">
       <p:transition spd="med">
         <p:fade/>
       </p:transition>
@@ -32835,6 +33173,30 @@
           </a:p>
         </p:txBody>
       </p:sp>
+      <p:pic>
+        <p:nvPicPr>
+          <p:cNvPr id="5" name="Imagen 4"/>
+          <p:cNvPicPr>
+            <a:picLocks noChangeAspect="1"/>
+          </p:cNvPicPr>
+          <p:nvPr/>
+        </p:nvPicPr>
+        <p:blipFill rotWithShape="1">
+          <a:blip r:embed="rId2"/>
+          <a:srcRect t="1" r="10280" b="749"/>
+          <a:stretch/>
+        </p:blipFill>
+        <p:spPr>
+          <a:xfrm>
+            <a:off x="1" y="179"/>
+            <a:ext cx="914400" cy="888642"/>
+          </a:xfrm>
+          <a:prstGeom prst="rect">
+            <a:avLst/>
+          </a:prstGeom>
+          <a:noFill/>
+        </p:spPr>
+      </p:pic>
     </p:spTree>
     <p:extLst>
       <p:ext uri="{BB962C8B-B14F-4D97-AF65-F5344CB8AC3E}">
@@ -32845,13 +33207,13 @@
   <p:clrMapOvr>
     <a:masterClrMapping/>
   </p:clrMapOvr>
-  <mc:AlternateContent xmlns:mc="http://schemas.openxmlformats.org/markup-compatibility/2006">
-    <mc:Choice xmlns:p14="http://schemas.microsoft.com/office/powerpoint/2010/main" Requires="p14">
+  <mc:AlternateContent xmlns:mc="http://schemas.openxmlformats.org/markup-compatibility/2006" xmlns:p14="http://schemas.microsoft.com/office/powerpoint/2010/main">
+    <mc:Choice Requires="p14">
       <p:transition spd="med" p14:dur="700">
         <p:fade/>
       </p:transition>
     </mc:Choice>
-    <mc:Fallback>
+    <mc:Fallback xmlns="">
       <p:transition spd="med">
         <p:fade/>
       </p:transition>
@@ -33839,6 +34201,30 @@
           </a:p>
         </p:txBody>
       </p:sp>
+      <p:pic>
+        <p:nvPicPr>
+          <p:cNvPr id="5" name="Imagen 4"/>
+          <p:cNvPicPr>
+            <a:picLocks noChangeAspect="1"/>
+          </p:cNvPicPr>
+          <p:nvPr/>
+        </p:nvPicPr>
+        <p:blipFill rotWithShape="1">
+          <a:blip r:embed="rId2"/>
+          <a:srcRect t="1" r="10280" b="749"/>
+          <a:stretch/>
+        </p:blipFill>
+        <p:spPr>
+          <a:xfrm>
+            <a:off x="1" y="179"/>
+            <a:ext cx="914400" cy="888642"/>
+          </a:xfrm>
+          <a:prstGeom prst="rect">
+            <a:avLst/>
+          </a:prstGeom>
+          <a:noFill/>
+        </p:spPr>
+      </p:pic>
     </p:spTree>
     <p:extLst>
       <p:ext uri="{BB962C8B-B14F-4D97-AF65-F5344CB8AC3E}">
@@ -33849,13 +34235,13 @@
   <p:clrMapOvr>
     <a:masterClrMapping/>
   </p:clrMapOvr>
-  <mc:AlternateContent xmlns:mc="http://schemas.openxmlformats.org/markup-compatibility/2006">
-    <mc:Choice xmlns:p14="http://schemas.microsoft.com/office/powerpoint/2010/main" Requires="p14">
+  <mc:AlternateContent xmlns:mc="http://schemas.openxmlformats.org/markup-compatibility/2006" xmlns:p14="http://schemas.microsoft.com/office/powerpoint/2010/main">
+    <mc:Choice Requires="p14">
       <p:transition spd="med" p14:dur="700">
         <p:fade/>
       </p:transition>
     </mc:Choice>
-    <mc:Fallback>
+    <mc:Fallback xmlns="">
       <p:transition spd="med">
         <p:fade/>
       </p:transition>
@@ -34701,6 +35087,30 @@
           </a:p>
         </p:txBody>
       </p:sp>
+      <p:pic>
+        <p:nvPicPr>
+          <p:cNvPr id="5" name="Imagen 4"/>
+          <p:cNvPicPr>
+            <a:picLocks noChangeAspect="1"/>
+          </p:cNvPicPr>
+          <p:nvPr/>
+        </p:nvPicPr>
+        <p:blipFill rotWithShape="1">
+          <a:blip r:embed="rId2"/>
+          <a:srcRect t="1" r="10280" b="749"/>
+          <a:stretch/>
+        </p:blipFill>
+        <p:spPr>
+          <a:xfrm>
+            <a:off x="1" y="179"/>
+            <a:ext cx="914400" cy="888642"/>
+          </a:xfrm>
+          <a:prstGeom prst="rect">
+            <a:avLst/>
+          </a:prstGeom>
+          <a:noFill/>
+        </p:spPr>
+      </p:pic>
     </p:spTree>
     <p:extLst>
       <p:ext uri="{BB962C8B-B14F-4D97-AF65-F5344CB8AC3E}">
@@ -34711,13 +35121,13 @@
   <p:clrMapOvr>
     <a:masterClrMapping/>
   </p:clrMapOvr>
-  <mc:AlternateContent xmlns:mc="http://schemas.openxmlformats.org/markup-compatibility/2006">
-    <mc:Choice xmlns:p14="http://schemas.microsoft.com/office/powerpoint/2010/main" Requires="p14">
+  <mc:AlternateContent xmlns:mc="http://schemas.openxmlformats.org/markup-compatibility/2006" xmlns:p14="http://schemas.microsoft.com/office/powerpoint/2010/main">
+    <mc:Choice Requires="p14">
       <p:transition spd="med" p14:dur="700">
         <p:fade/>
       </p:transition>
     </mc:Choice>
-    <mc:Fallback>
+    <mc:Fallback xmlns="">
       <p:transition spd="med">
         <p:fade/>
       </p:transition>
@@ -34773,6 +35183,30 @@
           </a:p>
         </p:txBody>
       </p:sp>
+      <p:pic>
+        <p:nvPicPr>
+          <p:cNvPr id="3" name="Imagen 2"/>
+          <p:cNvPicPr>
+            <a:picLocks noChangeAspect="1"/>
+          </p:cNvPicPr>
+          <p:nvPr/>
+        </p:nvPicPr>
+        <p:blipFill rotWithShape="1">
+          <a:blip r:embed="rId2"/>
+          <a:srcRect t="1" r="10280" b="749"/>
+          <a:stretch/>
+        </p:blipFill>
+        <p:spPr>
+          <a:xfrm>
+            <a:off x="1" y="179"/>
+            <a:ext cx="914400" cy="888642"/>
+          </a:xfrm>
+          <a:prstGeom prst="rect">
+            <a:avLst/>
+          </a:prstGeom>
+          <a:noFill/>
+        </p:spPr>
+      </p:pic>
     </p:spTree>
     <p:extLst>
       <p:ext uri="{BB962C8B-B14F-4D97-AF65-F5344CB8AC3E}">
@@ -35298,6 +35732,30 @@
           </a:p>
         </p:txBody>
       </p:sp>
+      <p:pic>
+        <p:nvPicPr>
+          <p:cNvPr id="8" name="Imagen 7"/>
+          <p:cNvPicPr>
+            <a:picLocks noChangeAspect="1"/>
+          </p:cNvPicPr>
+          <p:nvPr/>
+        </p:nvPicPr>
+        <p:blipFill rotWithShape="1">
+          <a:blip r:embed="rId6"/>
+          <a:srcRect t="1" r="10280" b="749"/>
+          <a:stretch/>
+        </p:blipFill>
+        <p:spPr>
+          <a:xfrm>
+            <a:off x="1" y="179"/>
+            <a:ext cx="914400" cy="888642"/>
+          </a:xfrm>
+          <a:prstGeom prst="rect">
+            <a:avLst/>
+          </a:prstGeom>
+          <a:noFill/>
+        </p:spPr>
+      </p:pic>
     </p:spTree>
     <p:extLst>
       <p:ext uri="{BB962C8B-B14F-4D97-AF65-F5344CB8AC3E}">
@@ -35308,13 +35766,13 @@
   <p:clrMapOvr>
     <a:masterClrMapping/>
   </p:clrMapOvr>
-  <mc:AlternateContent xmlns:mc="http://schemas.openxmlformats.org/markup-compatibility/2006">
-    <mc:Choice xmlns:p14="http://schemas.microsoft.com/office/powerpoint/2010/main" Requires="p14">
+  <mc:AlternateContent xmlns:mc="http://schemas.openxmlformats.org/markup-compatibility/2006" xmlns:p14="http://schemas.microsoft.com/office/powerpoint/2010/main">
+    <mc:Choice Requires="p14">
       <p:transition spd="med" p14:dur="700">
         <p:fade/>
       </p:transition>
     </mc:Choice>
-    <mc:Fallback>
+    <mc:Fallback xmlns="">
       <p:transition spd="med">
         <p:fade/>
       </p:transition>
@@ -35392,6 +35850,30 @@
           </a:p>
         </p:txBody>
       </p:sp>
+      <p:pic>
+        <p:nvPicPr>
+          <p:cNvPr id="3" name="Imagen 2"/>
+          <p:cNvPicPr>
+            <a:picLocks noChangeAspect="1"/>
+          </p:cNvPicPr>
+          <p:nvPr/>
+        </p:nvPicPr>
+        <p:blipFill rotWithShape="1">
+          <a:blip r:embed="rId2"/>
+          <a:srcRect t="1" r="10280" b="749"/>
+          <a:stretch/>
+        </p:blipFill>
+        <p:spPr>
+          <a:xfrm>
+            <a:off x="1" y="179"/>
+            <a:ext cx="914400" cy="888642"/>
+          </a:xfrm>
+          <a:prstGeom prst="rect">
+            <a:avLst/>
+          </a:prstGeom>
+          <a:noFill/>
+        </p:spPr>
+      </p:pic>
     </p:spTree>
     <p:extLst>
       <p:ext uri="{BB962C8B-B14F-4D97-AF65-F5344CB8AC3E}">
@@ -35455,6 +35937,30 @@
           </a:p>
         </p:txBody>
       </p:sp>
+      <p:pic>
+        <p:nvPicPr>
+          <p:cNvPr id="3" name="Imagen 2"/>
+          <p:cNvPicPr>
+            <a:picLocks noChangeAspect="1"/>
+          </p:cNvPicPr>
+          <p:nvPr/>
+        </p:nvPicPr>
+        <p:blipFill rotWithShape="1">
+          <a:blip r:embed="rId2"/>
+          <a:srcRect t="1" r="10280" b="749"/>
+          <a:stretch/>
+        </p:blipFill>
+        <p:spPr>
+          <a:xfrm>
+            <a:off x="1" y="179"/>
+            <a:ext cx="914400" cy="888642"/>
+          </a:xfrm>
+          <a:prstGeom prst="rect">
+            <a:avLst/>
+          </a:prstGeom>
+          <a:noFill/>
+        </p:spPr>
+      </p:pic>
     </p:spTree>
     <p:extLst>
       <p:ext uri="{BB962C8B-B14F-4D97-AF65-F5344CB8AC3E}">
@@ -35591,9 +36097,6 @@
                         </a:rPr>
                         <a:t>#</a:t>
                       </a:r>
-                      <a:endParaRPr lang="es-PE" sz="1600" b="1" kern="1200" dirty="0" smtClean="0">
-                        <a:latin typeface="Candara" panose="020E0502030303020204" pitchFamily="34" charset="0"/>
-                      </a:endParaRPr>
                     </a:p>
                   </a:txBody>
                   <a:tcPr marT="45719" marB="45719" anchor="ctr" horzOverflow="overflow"/>
@@ -36024,6 +36527,30 @@
           </a:graphicData>
         </a:graphic>
       </p:graphicFrame>
+      <p:pic>
+        <p:nvPicPr>
+          <p:cNvPr id="5" name="Imagen 4"/>
+          <p:cNvPicPr>
+            <a:picLocks noChangeAspect="1"/>
+          </p:cNvPicPr>
+          <p:nvPr/>
+        </p:nvPicPr>
+        <p:blipFill rotWithShape="1">
+          <a:blip r:embed="rId2"/>
+          <a:srcRect t="1" r="10280" b="749"/>
+          <a:stretch/>
+        </p:blipFill>
+        <p:spPr>
+          <a:xfrm>
+            <a:off x="1" y="179"/>
+            <a:ext cx="914400" cy="888642"/>
+          </a:xfrm>
+          <a:prstGeom prst="rect">
+            <a:avLst/>
+          </a:prstGeom>
+          <a:noFill/>
+        </p:spPr>
+      </p:pic>
     </p:spTree>
     <p:extLst>
       <p:ext uri="{BB962C8B-B14F-4D97-AF65-F5344CB8AC3E}">
@@ -36034,13 +36561,13 @@
   <p:clrMapOvr>
     <a:masterClrMapping/>
   </p:clrMapOvr>
-  <mc:AlternateContent xmlns:mc="http://schemas.openxmlformats.org/markup-compatibility/2006">
-    <mc:Choice xmlns:p14="http://schemas.microsoft.com/office/powerpoint/2010/main" Requires="p14">
+  <mc:AlternateContent xmlns:mc="http://schemas.openxmlformats.org/markup-compatibility/2006" xmlns:p14="http://schemas.microsoft.com/office/powerpoint/2010/main">
+    <mc:Choice Requires="p14">
       <p:transition spd="med" p14:dur="700">
         <p:fade/>
       </p:transition>
     </mc:Choice>
-    <mc:Fallback>
+    <mc:Fallback xmlns="">
       <p:transition spd="med">
         <p:fade/>
       </p:transition>
@@ -36100,6 +36627,30 @@
           </a:p>
         </p:txBody>
       </p:sp>
+      <p:pic>
+        <p:nvPicPr>
+          <p:cNvPr id="3" name="Imagen 2"/>
+          <p:cNvPicPr>
+            <a:picLocks noChangeAspect="1"/>
+          </p:cNvPicPr>
+          <p:nvPr/>
+        </p:nvPicPr>
+        <p:blipFill rotWithShape="1">
+          <a:blip r:embed="rId2"/>
+          <a:srcRect t="1" r="10280" b="749"/>
+          <a:stretch/>
+        </p:blipFill>
+        <p:spPr>
+          <a:xfrm>
+            <a:off x="1" y="179"/>
+            <a:ext cx="914400" cy="888642"/>
+          </a:xfrm>
+          <a:prstGeom prst="rect">
+            <a:avLst/>
+          </a:prstGeom>
+          <a:noFill/>
+        </p:spPr>
+      </p:pic>
     </p:spTree>
     <p:extLst>
       <p:ext uri="{BB962C8B-B14F-4D97-AF65-F5344CB8AC3E}">
@@ -37134,6 +37685,30 @@
           </a:graphicData>
         </a:graphic>
       </p:graphicFrame>
+      <p:pic>
+        <p:nvPicPr>
+          <p:cNvPr id="5" name="Imagen 4"/>
+          <p:cNvPicPr>
+            <a:picLocks noChangeAspect="1"/>
+          </p:cNvPicPr>
+          <p:nvPr/>
+        </p:nvPicPr>
+        <p:blipFill rotWithShape="1">
+          <a:blip r:embed="rId2"/>
+          <a:srcRect t="1" r="10280" b="749"/>
+          <a:stretch/>
+        </p:blipFill>
+        <p:spPr>
+          <a:xfrm>
+            <a:off x="1" y="179"/>
+            <a:ext cx="914400" cy="888642"/>
+          </a:xfrm>
+          <a:prstGeom prst="rect">
+            <a:avLst/>
+          </a:prstGeom>
+          <a:noFill/>
+        </p:spPr>
+      </p:pic>
     </p:spTree>
     <p:extLst>
       <p:ext uri="{BB962C8B-B14F-4D97-AF65-F5344CB8AC3E}">
@@ -37144,13 +37719,13 @@
   <p:clrMapOvr>
     <a:masterClrMapping/>
   </p:clrMapOvr>
-  <mc:AlternateContent xmlns:mc="http://schemas.openxmlformats.org/markup-compatibility/2006">
-    <mc:Choice xmlns:p14="http://schemas.microsoft.com/office/powerpoint/2010/main" Requires="p14">
+  <mc:AlternateContent xmlns:mc="http://schemas.openxmlformats.org/markup-compatibility/2006" xmlns:p14="http://schemas.microsoft.com/office/powerpoint/2010/main">
+    <mc:Choice Requires="p14">
       <p:transition spd="med" p14:dur="700">
         <p:fade/>
       </p:transition>
     </mc:Choice>
-    <mc:Fallback>
+    <mc:Fallback xmlns="">
       <p:transition spd="med">
         <p:fade/>
       </p:transition>
@@ -37477,6 +38052,30 @@
           </a:p>
         </p:txBody>
       </p:sp>
+      <p:pic>
+        <p:nvPicPr>
+          <p:cNvPr id="5" name="Imagen 4"/>
+          <p:cNvPicPr>
+            <a:picLocks noChangeAspect="1"/>
+          </p:cNvPicPr>
+          <p:nvPr/>
+        </p:nvPicPr>
+        <p:blipFill rotWithShape="1">
+          <a:blip r:embed="rId3"/>
+          <a:srcRect t="1" r="10280" b="749"/>
+          <a:stretch/>
+        </p:blipFill>
+        <p:spPr>
+          <a:xfrm>
+            <a:off x="1" y="179"/>
+            <a:ext cx="914400" cy="888642"/>
+          </a:xfrm>
+          <a:prstGeom prst="rect">
+            <a:avLst/>
+          </a:prstGeom>
+          <a:noFill/>
+        </p:spPr>
+      </p:pic>
     </p:spTree>
     <p:extLst>
       <p:ext uri="{BB962C8B-B14F-4D97-AF65-F5344CB8AC3E}">
@@ -37487,13 +38086,13 @@
   <p:clrMapOvr>
     <a:masterClrMapping/>
   </p:clrMapOvr>
-  <mc:AlternateContent xmlns:mc="http://schemas.openxmlformats.org/markup-compatibility/2006">
-    <mc:Choice xmlns:p14="http://schemas.microsoft.com/office/powerpoint/2010/main" Requires="p14">
+  <mc:AlternateContent xmlns:mc="http://schemas.openxmlformats.org/markup-compatibility/2006" xmlns:p14="http://schemas.microsoft.com/office/powerpoint/2010/main">
+    <mc:Choice Requires="p14">
       <p:transition spd="med" p14:dur="700">
         <p:fade/>
       </p:transition>
     </mc:Choice>
-    <mc:Fallback>
+    <mc:Fallback xmlns="">
       <p:transition spd="med">
         <p:fade/>
       </p:transition>
@@ -37652,6 +38251,30 @@
           </a:p>
         </p:txBody>
       </p:sp>
+      <p:pic>
+        <p:nvPicPr>
+          <p:cNvPr id="3" name="Imagen 2"/>
+          <p:cNvPicPr>
+            <a:picLocks noChangeAspect="1"/>
+          </p:cNvPicPr>
+          <p:nvPr/>
+        </p:nvPicPr>
+        <p:blipFill rotWithShape="1">
+          <a:blip r:embed="rId2"/>
+          <a:srcRect t="1" r="10280" b="749"/>
+          <a:stretch/>
+        </p:blipFill>
+        <p:spPr>
+          <a:xfrm>
+            <a:off x="1" y="179"/>
+            <a:ext cx="914400" cy="888642"/>
+          </a:xfrm>
+          <a:prstGeom prst="rect">
+            <a:avLst/>
+          </a:prstGeom>
+          <a:noFill/>
+        </p:spPr>
+      </p:pic>
     </p:spTree>
     <p:extLst>
       <p:ext uri="{BB962C8B-B14F-4D97-AF65-F5344CB8AC3E}">
@@ -38591,6 +39214,30 @@
           </a:graphicData>
         </a:graphic>
       </p:graphicFrame>
+      <p:pic>
+        <p:nvPicPr>
+          <p:cNvPr id="5" name="Imagen 4"/>
+          <p:cNvPicPr>
+            <a:picLocks noChangeAspect="1"/>
+          </p:cNvPicPr>
+          <p:nvPr/>
+        </p:nvPicPr>
+        <p:blipFill rotWithShape="1">
+          <a:blip r:embed="rId2"/>
+          <a:srcRect t="1" r="10280" b="749"/>
+          <a:stretch/>
+        </p:blipFill>
+        <p:spPr>
+          <a:xfrm>
+            <a:off x="1" y="179"/>
+            <a:ext cx="914400" cy="888642"/>
+          </a:xfrm>
+          <a:prstGeom prst="rect">
+            <a:avLst/>
+          </a:prstGeom>
+          <a:noFill/>
+        </p:spPr>
+      </p:pic>
     </p:spTree>
     <p:extLst>
       <p:ext uri="{BB962C8B-B14F-4D97-AF65-F5344CB8AC3E}">
@@ -38601,13 +39248,13 @@
   <p:clrMapOvr>
     <a:masterClrMapping/>
   </p:clrMapOvr>
-  <mc:AlternateContent xmlns:mc="http://schemas.openxmlformats.org/markup-compatibility/2006">
-    <mc:Choice xmlns:p14="http://schemas.microsoft.com/office/powerpoint/2010/main" Requires="p14">
+  <mc:AlternateContent xmlns:mc="http://schemas.openxmlformats.org/markup-compatibility/2006" xmlns:p14="http://schemas.microsoft.com/office/powerpoint/2010/main">
+    <mc:Choice Requires="p14">
       <p:transition spd="med" p14:dur="700">
         <p:fade/>
       </p:transition>
     </mc:Choice>
-    <mc:Fallback>
+    <mc:Fallback xmlns="">
       <p:transition spd="med">
         <p:fade/>
       </p:transition>
@@ -38672,6 +39319,30 @@
           </a:p>
         </p:txBody>
       </p:sp>
+      <p:pic>
+        <p:nvPicPr>
+          <p:cNvPr id="3" name="Imagen 2"/>
+          <p:cNvPicPr>
+            <a:picLocks noChangeAspect="1"/>
+          </p:cNvPicPr>
+          <p:nvPr/>
+        </p:nvPicPr>
+        <p:blipFill rotWithShape="1">
+          <a:blip r:embed="rId2"/>
+          <a:srcRect t="1" r="10280" b="749"/>
+          <a:stretch/>
+        </p:blipFill>
+        <p:spPr>
+          <a:xfrm>
+            <a:off x="1" y="179"/>
+            <a:ext cx="914400" cy="888642"/>
+          </a:xfrm>
+          <a:prstGeom prst="rect">
+            <a:avLst/>
+          </a:prstGeom>
+          <a:noFill/>
+        </p:spPr>
+      </p:pic>
     </p:spTree>
     <p:extLst>
       <p:ext uri="{BB962C8B-B14F-4D97-AF65-F5344CB8AC3E}">
@@ -39257,13 +39928,7 @@
               <a:rPr lang="es-PE" sz="1400" dirty="0">
                 <a:latin typeface="Candara" panose="020E0502030303020204" pitchFamily="34" charset="0"/>
               </a:rPr>
-              <a:t>Aprobar las acciones </a:t>
-            </a:r>
-            <a:r>
-              <a:rPr lang="es-PE" sz="1400" dirty="0">
-                <a:latin typeface="Candara" panose="020E0502030303020204" pitchFamily="34" charset="0"/>
-              </a:rPr>
-              <a:t>correctivas.</a:t>
+              <a:t>Aprobar las acciones correctivas.</a:t>
             </a:r>
             <a:endParaRPr lang="es-ES" altLang="es-ES" sz="1400" dirty="0">
               <a:solidFill>
@@ -39274,6 +39939,30 @@
           </a:p>
         </p:txBody>
       </p:sp>
+      <p:pic>
+        <p:nvPicPr>
+          <p:cNvPr id="11" name="Imagen 10"/>
+          <p:cNvPicPr>
+            <a:picLocks noChangeAspect="1"/>
+          </p:cNvPicPr>
+          <p:nvPr/>
+        </p:nvPicPr>
+        <p:blipFill rotWithShape="1">
+          <a:blip r:embed="rId2"/>
+          <a:srcRect t="1" r="10280" b="749"/>
+          <a:stretch/>
+        </p:blipFill>
+        <p:spPr>
+          <a:xfrm>
+            <a:off x="1" y="179"/>
+            <a:ext cx="914400" cy="888642"/>
+          </a:xfrm>
+          <a:prstGeom prst="rect">
+            <a:avLst/>
+          </a:prstGeom>
+          <a:noFill/>
+        </p:spPr>
+      </p:pic>
     </p:spTree>
     <p:extLst>
       <p:ext uri="{BB962C8B-B14F-4D97-AF65-F5344CB8AC3E}">
@@ -39284,13 +39973,13 @@
   <p:clrMapOvr>
     <a:masterClrMapping/>
   </p:clrMapOvr>
-  <mc:AlternateContent xmlns:mc="http://schemas.openxmlformats.org/markup-compatibility/2006">
-    <mc:Choice xmlns:p14="http://schemas.microsoft.com/office/powerpoint/2010/main" Requires="p14">
+  <mc:AlternateContent xmlns:mc="http://schemas.openxmlformats.org/markup-compatibility/2006" xmlns:p14="http://schemas.microsoft.com/office/powerpoint/2010/main">
+    <mc:Choice Requires="p14">
       <p:transition spd="med" p14:dur="700">
         <p:fade/>
       </p:transition>
     </mc:Choice>
-    <mc:Fallback>
+    <mc:Fallback xmlns="">
       <p:transition spd="med">
         <p:fade/>
       </p:transition>
@@ -39445,13 +40134,7 @@
               <a:rPr lang="es-PE" sz="1400" dirty="0">
                 <a:latin typeface="Candara" panose="020E0502030303020204" pitchFamily="34" charset="0"/>
               </a:rPr>
-              <a:t>Rol autorizado por el cliente para revisar/aprobar el </a:t>
-            </a:r>
-            <a:r>
-              <a:rPr lang="es-PE" sz="1400" dirty="0">
-                <a:latin typeface="Candara" panose="020E0502030303020204" pitchFamily="34" charset="0"/>
-              </a:rPr>
-              <a:t>entregable.</a:t>
+              <a:t>Rol autorizado por el cliente para revisar/aprobar el entregable.</a:t>
             </a:r>
             <a:endParaRPr lang="es-ES" sz="1400" dirty="0">
               <a:latin typeface="Candara" panose="020E0502030303020204" pitchFamily="34" charset="0"/>
@@ -39600,13 +40283,7 @@
               <a:rPr lang="es-PE" sz="1400" dirty="0">
                 <a:latin typeface="Candara" panose="020E0502030303020204" pitchFamily="34" charset="0"/>
               </a:rPr>
-              <a:t>responsable de la elaboración del producto (entregable) de proyecto interno, así como de su corrección en caso se encuentren no </a:t>
-            </a:r>
-            <a:r>
-              <a:rPr lang="es-PE" sz="1400" dirty="0">
-                <a:latin typeface="Candara" panose="020E0502030303020204" pitchFamily="34" charset="0"/>
-              </a:rPr>
-              <a:t>conformidades.</a:t>
+              <a:t>responsable de la elaboración del producto (entregable) de proyecto interno, así como de su corrección en caso se encuentren no conformidades.</a:t>
             </a:r>
             <a:endParaRPr lang="es-ES" altLang="es-PE" sz="1400" dirty="0">
               <a:solidFill>
@@ -39618,6 +40295,30 @@
           </a:p>
         </p:txBody>
       </p:sp>
+      <p:pic>
+        <p:nvPicPr>
+          <p:cNvPr id="8" name="Imagen 7"/>
+          <p:cNvPicPr>
+            <a:picLocks noChangeAspect="1"/>
+          </p:cNvPicPr>
+          <p:nvPr/>
+        </p:nvPicPr>
+        <p:blipFill rotWithShape="1">
+          <a:blip r:embed="rId2"/>
+          <a:srcRect t="1" r="10280" b="749"/>
+          <a:stretch/>
+        </p:blipFill>
+        <p:spPr>
+          <a:xfrm>
+            <a:off x="1" y="179"/>
+            <a:ext cx="914400" cy="888642"/>
+          </a:xfrm>
+          <a:prstGeom prst="rect">
+            <a:avLst/>
+          </a:prstGeom>
+          <a:noFill/>
+        </p:spPr>
+      </p:pic>
     </p:spTree>
     <p:extLst>
       <p:ext uri="{BB962C8B-B14F-4D97-AF65-F5344CB8AC3E}">
@@ -39628,13 +40329,13 @@
   <p:clrMapOvr>
     <a:masterClrMapping/>
   </p:clrMapOvr>
-  <mc:AlternateContent xmlns:mc="http://schemas.openxmlformats.org/markup-compatibility/2006">
-    <mc:Choice xmlns:p14="http://schemas.microsoft.com/office/powerpoint/2010/main" Requires="p14">
+  <mc:AlternateContent xmlns:mc="http://schemas.openxmlformats.org/markup-compatibility/2006" xmlns:p14="http://schemas.microsoft.com/office/powerpoint/2010/main">
+    <mc:Choice Requires="p14">
       <p:transition spd="med" p14:dur="700">
         <p:fade/>
       </p:transition>
     </mc:Choice>
-    <mc:Fallback>
+    <mc:Fallback xmlns="">
       <p:transition spd="med">
         <p:fade/>
       </p:transition>
